--- a/Werkversie/presentaties/MIMenLD.pptx
+++ b/Werkversie/presentaties/MIMenLD.pptx
@@ -281,7 +281,7 @@
           <a:p>
             <a:fld id="{11A2A8EC-22B3-274A-9467-EB8407E1D730}" type="datetimeFigureOut">
               <a:rPr lang="nl-NL" smtClean="0"/>
-              <a:t>10-07-19</a:t>
+              <a:t>6-3-2020</a:t>
             </a:fld>
             <a:endParaRPr lang="nl-NL"/>
           </a:p>
@@ -479,7 +479,7 @@
           <a:p>
             <a:fld id="{11A2A8EC-22B3-274A-9467-EB8407E1D730}" type="datetimeFigureOut">
               <a:rPr lang="nl-NL" smtClean="0"/>
-              <a:t>10-07-19</a:t>
+              <a:t>6-3-2020</a:t>
             </a:fld>
             <a:endParaRPr lang="nl-NL"/>
           </a:p>
@@ -687,7 +687,7 @@
           <a:p>
             <a:fld id="{11A2A8EC-22B3-274A-9467-EB8407E1D730}" type="datetimeFigureOut">
               <a:rPr lang="nl-NL" smtClean="0"/>
-              <a:t>10-07-19</a:t>
+              <a:t>6-3-2020</a:t>
             </a:fld>
             <a:endParaRPr lang="nl-NL"/>
           </a:p>
@@ -885,7 +885,7 @@
           <a:p>
             <a:fld id="{11A2A8EC-22B3-274A-9467-EB8407E1D730}" type="datetimeFigureOut">
               <a:rPr lang="nl-NL" smtClean="0"/>
-              <a:t>10-07-19</a:t>
+              <a:t>6-3-2020</a:t>
             </a:fld>
             <a:endParaRPr lang="nl-NL"/>
           </a:p>
@@ -1160,7 +1160,7 @@
           <a:p>
             <a:fld id="{11A2A8EC-22B3-274A-9467-EB8407E1D730}" type="datetimeFigureOut">
               <a:rPr lang="nl-NL" smtClean="0"/>
-              <a:t>10-07-19</a:t>
+              <a:t>6-3-2020</a:t>
             </a:fld>
             <a:endParaRPr lang="nl-NL"/>
           </a:p>
@@ -1425,7 +1425,7 @@
           <a:p>
             <a:fld id="{11A2A8EC-22B3-274A-9467-EB8407E1D730}" type="datetimeFigureOut">
               <a:rPr lang="nl-NL" smtClean="0"/>
-              <a:t>10-07-19</a:t>
+              <a:t>6-3-2020</a:t>
             </a:fld>
             <a:endParaRPr lang="nl-NL"/>
           </a:p>
@@ -1837,7 +1837,7 @@
           <a:p>
             <a:fld id="{11A2A8EC-22B3-274A-9467-EB8407E1D730}" type="datetimeFigureOut">
               <a:rPr lang="nl-NL" smtClean="0"/>
-              <a:t>10-07-19</a:t>
+              <a:t>6-3-2020</a:t>
             </a:fld>
             <a:endParaRPr lang="nl-NL"/>
           </a:p>
@@ -1978,7 +1978,7 @@
           <a:p>
             <a:fld id="{11A2A8EC-22B3-274A-9467-EB8407E1D730}" type="datetimeFigureOut">
               <a:rPr lang="nl-NL" smtClean="0"/>
-              <a:t>10-07-19</a:t>
+              <a:t>6-3-2020</a:t>
             </a:fld>
             <a:endParaRPr lang="nl-NL"/>
           </a:p>
@@ -2091,7 +2091,7 @@
           <a:p>
             <a:fld id="{11A2A8EC-22B3-274A-9467-EB8407E1D730}" type="datetimeFigureOut">
               <a:rPr lang="nl-NL" smtClean="0"/>
-              <a:t>10-07-19</a:t>
+              <a:t>6-3-2020</a:t>
             </a:fld>
             <a:endParaRPr lang="nl-NL"/>
           </a:p>
@@ -2402,7 +2402,7 @@
           <a:p>
             <a:fld id="{11A2A8EC-22B3-274A-9467-EB8407E1D730}" type="datetimeFigureOut">
               <a:rPr lang="nl-NL" smtClean="0"/>
-              <a:t>10-07-19</a:t>
+              <a:t>6-3-2020</a:t>
             </a:fld>
             <a:endParaRPr lang="nl-NL"/>
           </a:p>
@@ -2690,7 +2690,7 @@
           <a:p>
             <a:fld id="{11A2A8EC-22B3-274A-9467-EB8407E1D730}" type="datetimeFigureOut">
               <a:rPr lang="nl-NL" smtClean="0"/>
-              <a:t>10-07-19</a:t>
+              <a:t>6-3-2020</a:t>
             </a:fld>
             <a:endParaRPr lang="nl-NL"/>
           </a:p>
@@ -2931,7 +2931,7 @@
           <a:p>
             <a:fld id="{11A2A8EC-22B3-274A-9467-EB8407E1D730}" type="datetimeFigureOut">
               <a:rPr lang="nl-NL" smtClean="0"/>
-              <a:t>10-07-19</a:t>
+              <a:t>6-3-2020</a:t>
             </a:fld>
             <a:endParaRPr lang="nl-NL"/>
           </a:p>
@@ -3401,7 +3401,7 @@
         <p:spPr>
           <a:xfrm>
             <a:off x="1524000" y="3602038"/>
-            <a:ext cx="9144000" cy="1655762"/>
+            <a:ext cx="9144000" cy="474703"/>
           </a:xfrm>
         </p:spPr>
         <p:txBody>
@@ -3409,10 +3409,9 @@
           <a:lstStyle/>
           <a:p>
             <a:r>
-              <a:rPr lang="nl-NL"/>
+              <a:rPr lang="nl-NL" dirty="0"/>
               <a:t>Verbinden van UML en RDF modellen</a:t>
             </a:r>
-            <a:endParaRPr lang="nl-NL" dirty="0"/>
           </a:p>
         </p:txBody>
       </p:sp>
